--- a/week2/PPT/第二周LLM学习汇报-8.22.pptx
+++ b/week2/PPT/第二周LLM学习汇报-8.22.pptx
@@ -222,7 +222,7 @@
           <a:p>
             <a:fld id="{A0A98B5D-7C7F-4542-8EE1-EC0CCE5F19C7}" type="datetimeFigureOut">
               <a:rPr lang="zh-CN" altLang="en-US" smtClean="0"/>
-              <a:t>2025/8/22</a:t>
+              <a:t>2025/9/19</a:t>
             </a:fld>
             <a:endParaRPr lang="zh-CN" altLang="en-US"/>
           </a:p>
@@ -3659,238 +3659,6 @@
           </a:p>
         </p:txBody>
       </p:sp>
-      <p:graphicFrame>
-        <p:nvGraphicFramePr>
-          <p:cNvPr id="6" name="表格 2"/>
-          <p:cNvGraphicFramePr>
-            <a:graphicFrameLocks noGrp="1"/>
-          </p:cNvGraphicFramePr>
-          <p:nvPr>
-            <p:extLst>
-              <p:ext uri="{D42A27DB-BD31-4B8C-83A1-F6EECF244321}">
-                <p14:modId xmlns:p14="http://schemas.microsoft.com/office/powerpoint/2010/main" val="3790066206"/>
-              </p:ext>
-            </p:extLst>
-          </p:nvPr>
-        </p:nvGraphicFramePr>
-        <p:xfrm>
-          <a:off x="2032000" y="4314681"/>
-          <a:ext cx="8128000" cy="1938216"/>
-        </p:xfrm>
-        <a:graphic>
-          <a:graphicData uri="http://schemas.openxmlformats.org/drawingml/2006/table">
-            <a:tbl>
-              <a:tblPr firstRow="1" bandRow="1">
-                <a:tableStyleId>{5C22544A-7EE6-4342-B048-85BDC9FD1C3A}</a:tableStyleId>
-              </a:tblPr>
-              <a:tblGrid>
-                <a:gridCol w="8128000">
-                  <a:extLst>
-                    <a:ext uri="{9D8B030D-6E8A-4147-A177-3AD203B41FA5}">
-                      <a16:colId xmlns:a16="http://schemas.microsoft.com/office/drawing/2014/main" val="20000"/>
-                    </a:ext>
-                  </a:extLst>
-                </a:gridCol>
-              </a:tblGrid>
-              <a:tr h="824795">
-                <a:tc>
-                  <a:txBody>
-                    <a:bodyPr/>
-                    <a:lstStyle/>
-                    <a:p>
-                      <a:pPr algn="ctr"/>
-                      <a:r>
-                        <a:rPr lang="en-US" altLang="zh-CN" sz="2000" b="1" dirty="0">
-                          <a:solidFill>
-                            <a:schemeClr val="tx1"/>
-                          </a:solidFill>
-                          <a:latin typeface="+mj-lt"/>
-                        </a:rPr>
-                        <a:t>8.22</a:t>
-                      </a:r>
-                    </a:p>
-                    <a:p>
-                      <a:pPr algn="ctr"/>
-                      <a:endParaRPr lang="en-US" altLang="zh-CN" sz="2000" b="1" dirty="0">
-                        <a:solidFill>
-                          <a:schemeClr val="tx1"/>
-                        </a:solidFill>
-                        <a:latin typeface="+mj-lt"/>
-                      </a:endParaRPr>
-                    </a:p>
-                    <a:p>
-                      <a:pPr algn="ctr"/>
-                      <a:r>
-                        <a:rPr lang="zh-CN" altLang="en-US" sz="2000" b="1" dirty="0">
-                          <a:solidFill>
-                            <a:schemeClr val="tx1"/>
-                          </a:solidFill>
-                          <a:latin typeface="+mj-lt"/>
-                        </a:rPr>
-                        <a:t>张钰轩</a:t>
-                      </a:r>
-                    </a:p>
-                  </a:txBody>
-                  <a:tcPr>
-                    <a:lnL w="12700" cmpd="sng">
-                      <a:noFill/>
-                    </a:lnL>
-                    <a:lnR w="12700" cmpd="sng">
-                      <a:noFill/>
-                    </a:lnR>
-                    <a:lnT w="12700" cmpd="sng">
-                      <a:noFill/>
-                    </a:lnT>
-                    <a:lnB w="38100" cmpd="sng">
-                      <a:noFill/>
-                    </a:lnB>
-                    <a:lnTlToBr w="12700" cmpd="sng">
-                      <a:noFill/>
-                      <a:prstDash val="solid"/>
-                    </a:lnTlToBr>
-                    <a:lnBlToTr w="12700" cmpd="sng">
-                      <a:noFill/>
-                      <a:prstDash val="solid"/>
-                    </a:lnBlToTr>
-                    <a:noFill/>
-                  </a:tcPr>
-                </a:tc>
-                <a:extLst>
-                  <a:ext uri="{0D108BD9-81ED-4DB2-BD59-A6C34878D82A}">
-                    <a16:rowId xmlns:a16="http://schemas.microsoft.com/office/drawing/2014/main" val="10000"/>
-                  </a:ext>
-                </a:extLst>
-              </a:tr>
-              <a:tr h="466188">
-                <a:tc>
-                  <a:txBody>
-                    <a:bodyPr/>
-                    <a:lstStyle/>
-                    <a:p>
-                      <a:pPr marL="0" marR="0" lvl="0" indent="0" algn="ctr" defTabSz="914400" rtl="0" eaLnBrk="1" fontAlgn="auto" latinLnBrk="0" hangingPunct="1">
-                        <a:lnSpc>
-                          <a:spcPct val="100000"/>
-                        </a:lnSpc>
-                        <a:spcBef>
-                          <a:spcPts val="0"/>
-                        </a:spcBef>
-                        <a:spcAft>
-                          <a:spcPts val="0"/>
-                        </a:spcAft>
-                        <a:buClrTx/>
-                        <a:buSzTx/>
-                        <a:buFontTx/>
-                        <a:buNone/>
-                        <a:tabLst/>
-                        <a:defRPr/>
-                      </a:pPr>
-                      <a:r>
-                        <a:rPr lang="en-US" altLang="zh-CN" sz="2000" b="1" kern="1200" dirty="0">
-                          <a:solidFill>
-                            <a:schemeClr val="tx1"/>
-                          </a:solidFill>
-                          <a:latin typeface="+mn-lt"/>
-                          <a:ea typeface="+mn-ea"/>
-                          <a:cs typeface="+mn-cs"/>
-                        </a:rPr>
-                        <a:t>zyx@mail.hfut.edu.cn</a:t>
-                      </a:r>
-                      <a:endParaRPr lang="zh-CN" altLang="en-US" sz="2000" b="1" kern="1200" dirty="0">
-                        <a:solidFill>
-                          <a:schemeClr val="tx1"/>
-                        </a:solidFill>
-                        <a:latin typeface="+mn-lt"/>
-                        <a:ea typeface="+mn-ea"/>
-                        <a:cs typeface="+mn-cs"/>
-                      </a:endParaRPr>
-                    </a:p>
-                  </a:txBody>
-                  <a:tcPr>
-                    <a:lnL w="12700" cmpd="sng">
-                      <a:noFill/>
-                    </a:lnL>
-                    <a:lnR w="12700" cmpd="sng">
-                      <a:noFill/>
-                    </a:lnR>
-                    <a:lnT w="38100" cmpd="sng">
-                      <a:noFill/>
-                    </a:lnT>
-                    <a:lnB w="12700" cmpd="sng">
-                      <a:noFill/>
-                    </a:lnB>
-                    <a:lnTlToBr w="12700" cmpd="sng">
-                      <a:noFill/>
-                      <a:prstDash val="solid"/>
-                    </a:lnTlToBr>
-                    <a:lnBlToTr w="12700" cmpd="sng">
-                      <a:noFill/>
-                      <a:prstDash val="solid"/>
-                    </a:lnBlToTr>
-                    <a:noFill/>
-                  </a:tcPr>
-                </a:tc>
-                <a:extLst>
-                  <a:ext uri="{0D108BD9-81ED-4DB2-BD59-A6C34878D82A}">
-                    <a16:rowId xmlns:a16="http://schemas.microsoft.com/office/drawing/2014/main" val="10001"/>
-                  </a:ext>
-                </a:extLst>
-              </a:tr>
-              <a:tr h="466188">
-                <a:tc>
-                  <a:txBody>
-                    <a:bodyPr/>
-                    <a:lstStyle/>
-                    <a:p>
-                      <a:pPr algn="ctr"/>
-                      <a:r>
-                        <a:rPr lang="en-US" altLang="zh-CN" sz="2000" b="1" dirty="0">
-                          <a:solidFill>
-                            <a:schemeClr val="tx1"/>
-                          </a:solidFill>
-                        </a:rPr>
-                        <a:t>Hefei University of Technology</a:t>
-                      </a:r>
-                      <a:endParaRPr lang="zh-CN" altLang="en-US" sz="2000" b="1" dirty="0">
-                        <a:solidFill>
-                          <a:schemeClr val="tx1"/>
-                        </a:solidFill>
-                      </a:endParaRPr>
-                    </a:p>
-                  </a:txBody>
-                  <a:tcPr>
-                    <a:lnL w="12700" cmpd="sng">
-                      <a:noFill/>
-                    </a:lnL>
-                    <a:lnR w="12700" cmpd="sng">
-                      <a:noFill/>
-                    </a:lnR>
-                    <a:lnT w="12700" cmpd="sng">
-                      <a:noFill/>
-                    </a:lnT>
-                    <a:lnB w="12700" cmpd="sng">
-                      <a:noFill/>
-                    </a:lnB>
-                    <a:lnTlToBr w="12700" cmpd="sng">
-                      <a:noFill/>
-                      <a:prstDash val="solid"/>
-                    </a:lnTlToBr>
-                    <a:lnBlToTr w="12700" cmpd="sng">
-                      <a:noFill/>
-                      <a:prstDash val="solid"/>
-                    </a:lnBlToTr>
-                    <a:noFill/>
-                  </a:tcPr>
-                </a:tc>
-                <a:extLst>
-                  <a:ext uri="{0D108BD9-81ED-4DB2-BD59-A6C34878D82A}">
-                    <a16:rowId xmlns:a16="http://schemas.microsoft.com/office/drawing/2014/main" val="10002"/>
-                  </a:ext>
-                </a:extLst>
-              </a:tr>
-            </a:tbl>
-          </a:graphicData>
-        </a:graphic>
-      </p:graphicFrame>
     </p:spTree>
   </p:cSld>
   <p:clrMapOvr>
